--- a/발표 자료/스크립트언어 중간발표.pptx
+++ b/발표 자료/스크립트언어 중간발표.pptx
@@ -110,6 +110,11 @@
       </a:defRPr>
     </a:lvl9pPr>
   </p:defaultTextStyle>
+  <p:extLst>
+    <p:ext uri="{EFAFB233-063F-42B5-8137-9DF3F51BA10A}">
+      <p15:sldGuideLst xmlns:p15="http://schemas.microsoft.com/office/powerpoint/2012/main"/>
+    </p:ext>
+  </p:extLst>
 </p:presentation>
 </file>
 
@@ -2489,7 +2494,7 @@
           <p:spPr>
             <a:xfrm>
               <a:off x="2263095" y="2722532"/>
-              <a:ext cx="7665810" cy="1631216"/>
+              <a:ext cx="7665810" cy="2106125"/>
             </a:xfrm>
             <a:prstGeom prst="rect">
               <a:avLst/>
@@ -2558,7 +2563,7 @@
                   <a:latin typeface="배달의민족 주아" panose="02020603020101020101" pitchFamily="18" charset="-127"/>
                   <a:ea typeface="배달의민족 주아" panose="02020603020101020101" pitchFamily="18" charset="-127"/>
                 </a:rPr>
-                <a:t> 경기도 내 음식점의 카테고리 별 현황 알림</a:t>
+                <a:t> 경기도 내 음식점의 카테고리 별 현황 안내</a:t>
               </a:r>
               <a:endParaRPr lang="en-US" altLang="ko-KR" sz="3500" dirty="0">
                 <a:solidFill>
@@ -2781,8 +2786,8 @@
         </p:nvSpPr>
         <p:spPr>
           <a:xfrm>
-            <a:off x="1313718" y="4942746"/>
-            <a:ext cx="1963999" cy="369332"/>
+            <a:off x="2445589" y="4368408"/>
+            <a:ext cx="1980029" cy="369332"/>
           </a:xfrm>
           <a:prstGeom prst="rect">
             <a:avLst/>
@@ -2790,14 +2795,17 @@
           <a:noFill/>
         </p:spPr>
         <p:txBody>
-          <a:bodyPr wrap="none" rtlCol="0">
+          <a:bodyPr wrap="square" rtlCol="0">
             <a:spAutoFit/>
           </a:bodyPr>
           <a:lstStyle/>
           <a:p>
             <a:r>
-              <a:rPr lang="ko-KR" altLang="en-US" dirty="0"/>
-              <a:t>사진 아이콘 출력</a:t>
+              <a:rPr lang="ko-KR" altLang="en-US" dirty="0">
+                <a:latin typeface="나눔스퀘어라운드 Bold" panose="020B0600000101010101" pitchFamily="50" charset="-127"/>
+                <a:ea typeface="나눔스퀘어라운드 Bold" panose="020B0600000101010101" pitchFamily="50" charset="-127"/>
+              </a:rPr>
+              <a:t>카테고리 별 이미지</a:t>
             </a:r>
           </a:p>
         </p:txBody>
@@ -2846,8 +2854,8 @@
         </p:nvSpPr>
         <p:spPr>
           <a:xfrm>
-            <a:off x="657633" y="1429993"/>
-            <a:ext cx="2875734" cy="369332"/>
+            <a:off x="764275" y="1429993"/>
+            <a:ext cx="2769092" cy="369332"/>
           </a:xfrm>
           <a:prstGeom prst="rect">
             <a:avLst/>
@@ -2861,22 +2869,37 @@
           <a:lstStyle/>
           <a:p>
             <a:r>
-              <a:rPr lang="en-US" altLang="ko-KR" dirty="0" err="1"/>
+              <a:rPr lang="en-US" altLang="ko-KR" dirty="0" err="1">
+                <a:latin typeface="나눔스퀘어라운드 Bold" panose="020B0600000101010101" pitchFamily="50" charset="-127"/>
+                <a:ea typeface="나눔스퀘어라운드 Bold" panose="020B0600000101010101" pitchFamily="50" charset="-127"/>
+              </a:rPr>
               <a:t>tkinter</a:t>
             </a:r>
             <a:r>
-              <a:rPr lang="ko-KR" altLang="en-US" dirty="0"/>
+              <a:rPr lang="ko-KR" altLang="en-US" dirty="0">
+                <a:latin typeface="나눔스퀘어라운드 Bold" panose="020B0600000101010101" pitchFamily="50" charset="-127"/>
+                <a:ea typeface="나눔스퀘어라운드 Bold" panose="020B0600000101010101" pitchFamily="50" charset="-127"/>
+              </a:rPr>
               <a:t>를 이용한 </a:t>
             </a:r>
             <a:r>
-              <a:rPr lang="en-US" altLang="ko-KR" dirty="0"/>
+              <a:rPr lang="en-US" altLang="ko-KR" dirty="0">
+                <a:latin typeface="나눔스퀘어라운드 Bold" panose="020B0600000101010101" pitchFamily="50" charset="-127"/>
+                <a:ea typeface="나눔스퀘어라운드 Bold" panose="020B0600000101010101" pitchFamily="50" charset="-127"/>
+              </a:rPr>
               <a:t>GUI </a:t>
             </a:r>
             <a:r>
-              <a:rPr lang="ko-KR" altLang="en-US" dirty="0"/>
+              <a:rPr lang="ko-KR" altLang="en-US" dirty="0">
+                <a:latin typeface="나눔스퀘어라운드 Bold" panose="020B0600000101010101" pitchFamily="50" charset="-127"/>
+                <a:ea typeface="나눔스퀘어라운드 Bold" panose="020B0600000101010101" pitchFamily="50" charset="-127"/>
+              </a:rPr>
               <a:t>구현</a:t>
             </a:r>
-            <a:endParaRPr lang="en-US" altLang="ko-KR" dirty="0"/>
+            <a:endParaRPr lang="en-US" altLang="ko-KR" dirty="0">
+              <a:latin typeface="나눔스퀘어라운드 Bold" panose="020B0600000101010101" pitchFamily="50" charset="-127"/>
+              <a:ea typeface="나눔스퀘어라운드 Bold" panose="020B0600000101010101" pitchFamily="50" charset="-127"/>
+            </a:endParaRPr>
           </a:p>
         </p:txBody>
       </p:sp>
@@ -2936,8 +2959,8 @@
         </p:nvSpPr>
         <p:spPr>
           <a:xfrm>
-            <a:off x="657633" y="5673950"/>
-            <a:ext cx="3749607" cy="369332"/>
+            <a:off x="1320872" y="5506130"/>
+            <a:ext cx="2914536" cy="369332"/>
           </a:xfrm>
           <a:prstGeom prst="rect">
             <a:avLst/>
@@ -2951,25 +2974,58 @@
           <a:lstStyle/>
           <a:p>
             <a:r>
-              <a:rPr lang="ko-KR" altLang="en-US" dirty="0" err="1"/>
-              <a:t>시∙군</a:t>
+              <a:rPr lang="ko-KR" altLang="en-US" dirty="0">
+                <a:latin typeface="나눔스퀘어라운드 Bold" panose="020B0600000101010101" pitchFamily="50" charset="-127"/>
+                <a:ea typeface="나눔스퀘어라운드 Bold" panose="020B0600000101010101" pitchFamily="50" charset="-127"/>
+              </a:rPr>
+              <a:t>시</a:t>
             </a:r>
             <a:r>
-              <a:rPr lang="ko-KR" altLang="en-US" dirty="0"/>
-              <a:t> 별 카테고리 수 비교 </a:t>
-            </a:r>
-            <a:r>
-              <a:rPr lang="en-US" altLang="ko-KR" dirty="0"/>
+              <a:rPr lang="en-US" altLang="ko-KR" dirty="0">
+                <a:latin typeface="나눔스퀘어라운드 Bold" panose="020B0600000101010101" pitchFamily="50" charset="-127"/>
+                <a:ea typeface="나눔스퀘어라운드 Bold" panose="020B0600000101010101" pitchFamily="50" charset="-127"/>
+              </a:rPr>
               <a:t>(</a:t>
             </a:r>
             <a:r>
-              <a:rPr lang="ko-KR" altLang="en-US" dirty="0"/>
-              <a:t>그래프</a:t>
+              <a:rPr lang="ko-KR" altLang="en-US" dirty="0">
+                <a:latin typeface="나눔스퀘어라운드 Bold" panose="020B0600000101010101" pitchFamily="50" charset="-127"/>
+                <a:ea typeface="나눔스퀘어라운드 Bold" panose="020B0600000101010101" pitchFamily="50" charset="-127"/>
+              </a:rPr>
+              <a:t>군</a:t>
             </a:r>
             <a:r>
-              <a:rPr lang="en-US" altLang="ko-KR" dirty="0"/>
+              <a:rPr lang="en-US" altLang="ko-KR" dirty="0">
+                <a:latin typeface="나눔스퀘어라운드 Bold" panose="020B0600000101010101" pitchFamily="50" charset="-127"/>
+                <a:ea typeface="나눔스퀘어라운드 Bold" panose="020B0600000101010101" pitchFamily="50" charset="-127"/>
+              </a:rPr>
               <a:t>)</a:t>
             </a:r>
+            <a:r>
+              <a:rPr lang="ko-KR" altLang="en-US" dirty="0">
+                <a:latin typeface="나눔스퀘어라운드 Bold" panose="020B0600000101010101" pitchFamily="50" charset="-127"/>
+                <a:ea typeface="나눔스퀘어라운드 Bold" panose="020B0600000101010101" pitchFamily="50" charset="-127"/>
+              </a:rPr>
+              <a:t> 내 매장 수</a:t>
+            </a:r>
+            <a:r>
+              <a:rPr lang="en-US" altLang="ko-KR" dirty="0">
+                <a:latin typeface="나눔스퀘어라운드 Bold" panose="020B0600000101010101" pitchFamily="50" charset="-127"/>
+                <a:ea typeface="나눔스퀘어라운드 Bold" panose="020B0600000101010101" pitchFamily="50" charset="-127"/>
+              </a:rPr>
+              <a:t> </a:t>
+            </a:r>
+            <a:r>
+              <a:rPr lang="ko-KR" altLang="en-US" dirty="0">
+                <a:latin typeface="나눔스퀘어라운드 Bold" panose="020B0600000101010101" pitchFamily="50" charset="-127"/>
+                <a:ea typeface="나눔스퀘어라운드 Bold" panose="020B0600000101010101" pitchFamily="50" charset="-127"/>
+              </a:rPr>
+              <a:t>비교 그래프</a:t>
+            </a:r>
+            <a:endParaRPr lang="en-US" altLang="ko-KR" dirty="0">
+              <a:latin typeface="나눔스퀘어라운드 Bold" panose="020B0600000101010101" pitchFamily="50" charset="-127"/>
+              <a:ea typeface="나눔스퀘어라운드 Bold" panose="020B0600000101010101" pitchFamily="50" charset="-127"/>
+            </a:endParaRPr>
           </a:p>
         </p:txBody>
       </p:sp>
@@ -2990,8 +3046,8 @@
         </p:nvCxnSpPr>
         <p:spPr>
           <a:xfrm>
-            <a:off x="4407240" y="5858616"/>
-            <a:ext cx="3360718" cy="0"/>
+            <a:off x="4235408" y="5690796"/>
+            <a:ext cx="3360717" cy="0"/>
           </a:xfrm>
           <a:prstGeom prst="straightConnector1">
             <a:avLst/>
@@ -3029,8 +3085,8 @@
         </p:nvSpPr>
         <p:spPr>
           <a:xfrm>
-            <a:off x="937624" y="2749132"/>
-            <a:ext cx="2777614" cy="369332"/>
+            <a:off x="1214650" y="2749132"/>
+            <a:ext cx="2500587" cy="369332"/>
           </a:xfrm>
           <a:prstGeom prst="rect">
             <a:avLst/>
@@ -3044,10 +3100,16 @@
           <a:lstStyle/>
           <a:p>
             <a:r>
-              <a:rPr lang="ko-KR" altLang="en-US" dirty="0"/>
+              <a:rPr lang="ko-KR" altLang="en-US" dirty="0">
+                <a:latin typeface="나눔스퀘어라운드 Bold" panose="020B0600000101010101" pitchFamily="50" charset="-127"/>
+                <a:ea typeface="나눔스퀘어라운드 Bold" panose="020B0600000101010101" pitchFamily="50" charset="-127"/>
+              </a:rPr>
               <a:t>카테고리 별 음식점 검색</a:t>
             </a:r>
-            <a:endParaRPr lang="en-US" altLang="ko-KR" dirty="0"/>
+            <a:endParaRPr lang="en-US" altLang="ko-KR" dirty="0">
+              <a:latin typeface="나눔스퀘어라운드 Bold" panose="020B0600000101010101" pitchFamily="50" charset="-127"/>
+              <a:ea typeface="나눔스퀘어라운드 Bold" panose="020B0600000101010101" pitchFamily="50" charset="-127"/>
+            </a:endParaRPr>
           </a:p>
         </p:txBody>
       </p:sp>
@@ -3068,8 +3130,8 @@
         </p:nvCxnSpPr>
         <p:spPr>
           <a:xfrm>
-            <a:off x="3715238" y="2933798"/>
-            <a:ext cx="2556878" cy="0"/>
+            <a:off x="3715237" y="2933798"/>
+            <a:ext cx="2556879" cy="0"/>
           </a:xfrm>
           <a:prstGeom prst="straightConnector1">
             <a:avLst/>
@@ -3107,8 +3169,8 @@
         </p:nvSpPr>
         <p:spPr>
           <a:xfrm>
-            <a:off x="2840197" y="4211541"/>
-            <a:ext cx="3139053" cy="369332"/>
+            <a:off x="4112089" y="3353026"/>
+            <a:ext cx="1867161" cy="369330"/>
           </a:xfrm>
           <a:prstGeom prst="rect">
             <a:avLst/>
@@ -3122,18 +3184,16 @@
           <a:lstStyle/>
           <a:p>
             <a:r>
-              <a:rPr lang="ko-KR" altLang="en-US" dirty="0"/>
-              <a:t>음식점 리스트 </a:t>
+              <a:rPr lang="ko-KR" altLang="en-US" dirty="0">
+                <a:latin typeface="나눔스퀘어라운드 Bold" panose="020B0600000101010101" pitchFamily="50" charset="-127"/>
+                <a:ea typeface="나눔스퀘어라운드 Bold" panose="020B0600000101010101" pitchFamily="50" charset="-127"/>
+              </a:rPr>
+              <a:t>음식점 정보 출력</a:t>
             </a:r>
-            <a:r>
-              <a:rPr lang="en-US" altLang="ko-KR" dirty="0"/>
-              <a:t>&amp; </a:t>
-            </a:r>
-            <a:r>
-              <a:rPr lang="ko-KR" altLang="en-US" dirty="0"/>
-              <a:t>정보 출력</a:t>
-            </a:r>
-            <a:endParaRPr lang="en-US" altLang="ko-KR" dirty="0"/>
+            <a:endParaRPr lang="en-US" altLang="ko-KR" dirty="0">
+              <a:latin typeface="나눔스퀘어라운드 Bold" panose="020B0600000101010101" pitchFamily="50" charset="-127"/>
+              <a:ea typeface="나눔스퀘어라운드 Bold" panose="020B0600000101010101" pitchFamily="50" charset="-127"/>
+            </a:endParaRPr>
           </a:p>
         </p:txBody>
       </p:sp>
@@ -3154,7 +3214,7 @@
         </p:nvCxnSpPr>
         <p:spPr>
           <a:xfrm>
-            <a:off x="5979250" y="4396207"/>
+            <a:off x="5979250" y="3537691"/>
             <a:ext cx="2556878" cy="0"/>
           </a:xfrm>
           <a:prstGeom prst="straightConnector1">
@@ -3193,8 +3253,8 @@
         </p:nvSpPr>
         <p:spPr>
           <a:xfrm>
-            <a:off x="2504281" y="3480339"/>
-            <a:ext cx="1210957" cy="369329"/>
+            <a:off x="2840197" y="6258461"/>
+            <a:ext cx="1081220" cy="369328"/>
           </a:xfrm>
           <a:prstGeom prst="rect">
             <a:avLst/>
@@ -3208,57 +3268,19 @@
           <a:lstStyle/>
           <a:p>
             <a:r>
-              <a:rPr lang="ko-KR" altLang="en-US" dirty="0"/>
+              <a:rPr lang="ko-KR" altLang="en-US" dirty="0">
+                <a:latin typeface="나눔스퀘어라운드 Bold" panose="020B0600000101010101" pitchFamily="50" charset="-127"/>
+                <a:ea typeface="나눔스퀘어라운드 Bold" panose="020B0600000101010101" pitchFamily="50" charset="-127"/>
+              </a:rPr>
               <a:t>지도 연동</a:t>
             </a:r>
-            <a:endParaRPr lang="en-US" altLang="ko-KR" dirty="0"/>
+            <a:endParaRPr lang="en-US" altLang="ko-KR" dirty="0">
+              <a:latin typeface="나눔스퀘어라운드 Bold" panose="020B0600000101010101" pitchFamily="50" charset="-127"/>
+              <a:ea typeface="나눔스퀘어라운드 Bold" panose="020B0600000101010101" pitchFamily="50" charset="-127"/>
+            </a:endParaRPr>
           </a:p>
         </p:txBody>
       </p:sp>
-      <p:cxnSp>
-        <p:nvCxnSpPr>
-          <p:cNvPr id="28" name="연결선: 꺾임 27">
-            <a:extLst>
-              <a:ext uri="{FF2B5EF4-FFF2-40B4-BE49-F238E27FC236}">
-                <a16:creationId xmlns:a16="http://schemas.microsoft.com/office/drawing/2014/main" id="{A55E0B37-1A70-4E46-99AA-26730E270D3E}"/>
-              </a:ext>
-            </a:extLst>
-          </p:cNvPr>
-          <p:cNvCxnSpPr>
-            <a:cxnSpLocks/>
-            <a:stCxn id="67" idx="3"/>
-          </p:cNvCxnSpPr>
-          <p:nvPr/>
-        </p:nvCxnSpPr>
-        <p:spPr>
-          <a:xfrm>
-            <a:off x="3715238" y="3665004"/>
-            <a:ext cx="6376339" cy="1876479"/>
-          </a:xfrm>
-          <a:prstGeom prst="bentConnector3">
-            <a:avLst>
-              <a:gd name="adj1" fmla="val 100012"/>
-            </a:avLst>
-          </a:prstGeom>
-          <a:ln>
-            <a:tailEnd type="triangle"/>
-          </a:ln>
-        </p:spPr>
-        <p:style>
-          <a:lnRef idx="1">
-            <a:schemeClr val="dk1"/>
-          </a:lnRef>
-          <a:fillRef idx="0">
-            <a:schemeClr val="dk1"/>
-          </a:fillRef>
-          <a:effectRef idx="0">
-            <a:schemeClr val="dk1"/>
-          </a:effectRef>
-          <a:fontRef idx="minor">
-            <a:schemeClr val="tx1"/>
-          </a:fontRef>
-        </p:style>
-      </p:cxnSp>
       <p:sp>
         <p:nvSpPr>
           <p:cNvPr id="76" name="TextBox 75">
@@ -3273,8 +3295,8 @@
         </p:nvSpPr>
         <p:spPr>
           <a:xfrm>
-            <a:off x="2901132" y="1915769"/>
-            <a:ext cx="1210957" cy="369329"/>
+            <a:off x="3039035" y="1915769"/>
+            <a:ext cx="1073054" cy="369329"/>
           </a:xfrm>
           <a:prstGeom prst="rect">
             <a:avLst/>
@@ -3288,10 +3310,16 @@
           <a:lstStyle/>
           <a:p>
             <a:r>
-              <a:rPr lang="ko-KR" altLang="en-US" dirty="0"/>
+              <a:rPr lang="ko-KR" altLang="en-US" dirty="0">
+                <a:latin typeface="나눔스퀘어라운드 Bold" panose="020B0600000101010101" pitchFamily="50" charset="-127"/>
+                <a:ea typeface="나눔스퀘어라운드 Bold" panose="020B0600000101010101" pitchFamily="50" charset="-127"/>
+              </a:rPr>
               <a:t>메일 연동</a:t>
             </a:r>
-            <a:endParaRPr lang="en-US" altLang="ko-KR" dirty="0"/>
+            <a:endParaRPr lang="en-US" altLang="ko-KR" dirty="0">
+              <a:latin typeface="나눔스퀘어라운드 Bold" panose="020B0600000101010101" pitchFamily="50" charset="-127"/>
+              <a:ea typeface="나눔스퀘어라운드 Bold" panose="020B0600000101010101" pitchFamily="50" charset="-127"/>
+            </a:endParaRPr>
           </a:p>
         </p:txBody>
       </p:sp>
@@ -3312,12 +3340,12 @@
         </p:nvCxnSpPr>
         <p:spPr>
           <a:xfrm flipV="1">
-            <a:off x="4112089" y="1388285"/>
-            <a:ext cx="5979488" cy="712149"/>
+            <a:off x="4112089" y="1388286"/>
+            <a:ext cx="5979488" cy="712148"/>
           </a:xfrm>
           <a:prstGeom prst="bentConnector3">
             <a:avLst>
-              <a:gd name="adj1" fmla="val 100035"/>
+              <a:gd name="adj1" fmla="val 50000"/>
             </a:avLst>
           </a:prstGeom>
           <a:ln>
@@ -3356,8 +3384,8 @@
         </p:nvCxnSpPr>
         <p:spPr>
           <a:xfrm>
-            <a:off x="3277717" y="5127412"/>
-            <a:ext cx="3104033" cy="247170"/>
+            <a:off x="4425618" y="4553074"/>
+            <a:ext cx="1860592" cy="863118"/>
           </a:xfrm>
           <a:prstGeom prst="straightConnector1">
             <a:avLst/>
@@ -3381,6 +3409,201 @@
           </a:fontRef>
         </p:style>
       </p:cxnSp>
+      <p:sp>
+        <p:nvSpPr>
+          <p:cNvPr id="21" name="TextBox 20">
+            <a:extLst>
+              <a:ext uri="{FF2B5EF4-FFF2-40B4-BE49-F238E27FC236}">
+                <a16:creationId xmlns:a16="http://schemas.microsoft.com/office/drawing/2014/main" id="{DE562CDC-3F7C-4D2C-BE4B-D63339F472DB}"/>
+              </a:ext>
+            </a:extLst>
+          </p:cNvPr>
+          <p:cNvSpPr txBox="1"/>
+          <p:nvPr/>
+        </p:nvSpPr>
+        <p:spPr>
+          <a:xfrm>
+            <a:off x="657633" y="888835"/>
+            <a:ext cx="2262988" cy="369332"/>
+          </a:xfrm>
+          <a:prstGeom prst="rect">
+            <a:avLst/>
+          </a:prstGeom>
+          <a:noFill/>
+        </p:spPr>
+        <p:txBody>
+          <a:bodyPr wrap="square" rtlCol="0">
+            <a:spAutoFit/>
+          </a:bodyPr>
+          <a:lstStyle/>
+          <a:p>
+            <a:r>
+              <a:rPr lang="ko-KR" altLang="en-US" dirty="0">
+                <a:solidFill>
+                  <a:schemeClr val="tx1">
+                    <a:lumMod val="85000"/>
+                    <a:lumOff val="15000"/>
+                  </a:schemeClr>
+                </a:solidFill>
+                <a:latin typeface="나눔스퀘어라운드 Bold" panose="020B0600000101010101" pitchFamily="50" charset="-127"/>
+                <a:ea typeface="나눔스퀘어라운드 Bold" panose="020B0600000101010101" pitchFamily="50" charset="-127"/>
+              </a:rPr>
+              <a:t>프로그램 로고 이미지</a:t>
+            </a:r>
+          </a:p>
+        </p:txBody>
+      </p:sp>
+      <p:cxnSp>
+        <p:nvCxnSpPr>
+          <p:cNvPr id="22" name="직선 화살표 연결선 21">
+            <a:extLst>
+              <a:ext uri="{FF2B5EF4-FFF2-40B4-BE49-F238E27FC236}">
+                <a16:creationId xmlns:a16="http://schemas.microsoft.com/office/drawing/2014/main" id="{0F3F81E4-6556-4337-B6D2-F74AD4D9612E}"/>
+              </a:ext>
+            </a:extLst>
+          </p:cNvPr>
+          <p:cNvCxnSpPr>
+            <a:cxnSpLocks/>
+            <a:stCxn id="21" idx="3"/>
+          </p:cNvCxnSpPr>
+          <p:nvPr/>
+        </p:nvCxnSpPr>
+        <p:spPr>
+          <a:xfrm flipV="1">
+            <a:off x="2920621" y="1071667"/>
+            <a:ext cx="3141688" cy="1834"/>
+          </a:xfrm>
+          <a:prstGeom prst="straightConnector1">
+            <a:avLst/>
+          </a:prstGeom>
+          <a:ln>
+            <a:tailEnd type="triangle"/>
+          </a:ln>
+        </p:spPr>
+        <p:style>
+          <a:lnRef idx="1">
+            <a:schemeClr val="dk1"/>
+          </a:lnRef>
+          <a:fillRef idx="0">
+            <a:schemeClr val="dk1"/>
+          </a:fillRef>
+          <a:effectRef idx="0">
+            <a:schemeClr val="dk1"/>
+          </a:effectRef>
+          <a:fontRef idx="minor">
+            <a:schemeClr val="tx1"/>
+          </a:fontRef>
+        </p:style>
+      </p:cxnSp>
+      <p:grpSp>
+        <p:nvGrpSpPr>
+          <p:cNvPr id="36" name="그룹 35">
+            <a:extLst>
+              <a:ext uri="{FF2B5EF4-FFF2-40B4-BE49-F238E27FC236}">
+                <a16:creationId xmlns:a16="http://schemas.microsoft.com/office/drawing/2014/main" id="{AD16C34C-735D-4B3C-8513-31155B04F0E8}"/>
+              </a:ext>
+            </a:extLst>
+          </p:cNvPr>
+          <p:cNvGrpSpPr/>
+          <p:nvPr/>
+        </p:nvGrpSpPr>
+        <p:grpSpPr>
+          <a:xfrm>
+            <a:off x="3921417" y="6258462"/>
+            <a:ext cx="6370065" cy="184663"/>
+            <a:chOff x="3921417" y="6258462"/>
+            <a:chExt cx="6370065" cy="184663"/>
+          </a:xfrm>
+        </p:grpSpPr>
+        <p:cxnSp>
+          <p:nvCxnSpPr>
+            <p:cNvPr id="31" name="직선 연결선 30">
+              <a:extLst>
+                <a:ext uri="{FF2B5EF4-FFF2-40B4-BE49-F238E27FC236}">
+                  <a16:creationId xmlns:a16="http://schemas.microsoft.com/office/drawing/2014/main" id="{0AF9704D-1798-4E52-B823-075524E772C3}"/>
+                </a:ext>
+              </a:extLst>
+            </p:cNvPr>
+            <p:cNvCxnSpPr>
+              <a:cxnSpLocks/>
+              <a:stCxn id="67" idx="3"/>
+            </p:cNvCxnSpPr>
+            <p:nvPr/>
+          </p:nvCxnSpPr>
+          <p:spPr>
+            <a:xfrm>
+              <a:off x="3921417" y="6443125"/>
+              <a:ext cx="6370065" cy="0"/>
+            </a:xfrm>
+            <a:prstGeom prst="line">
+              <a:avLst/>
+            </a:prstGeom>
+            <a:ln>
+              <a:solidFill>
+                <a:schemeClr val="tx1"/>
+              </a:solidFill>
+            </a:ln>
+          </p:spPr>
+          <p:style>
+            <a:lnRef idx="1">
+              <a:schemeClr val="accent1"/>
+            </a:lnRef>
+            <a:fillRef idx="0">
+              <a:schemeClr val="accent1"/>
+            </a:fillRef>
+            <a:effectRef idx="0">
+              <a:schemeClr val="accent1"/>
+            </a:effectRef>
+            <a:fontRef idx="minor">
+              <a:schemeClr val="tx1"/>
+            </a:fontRef>
+          </p:style>
+        </p:cxnSp>
+        <p:cxnSp>
+          <p:nvCxnSpPr>
+            <p:cNvPr id="34" name="직선 화살표 연결선 33">
+              <a:extLst>
+                <a:ext uri="{FF2B5EF4-FFF2-40B4-BE49-F238E27FC236}">
+                  <a16:creationId xmlns:a16="http://schemas.microsoft.com/office/drawing/2014/main" id="{B8F2C333-93BE-49C7-8B16-48700FA590BF}"/>
+                </a:ext>
+              </a:extLst>
+            </p:cNvPr>
+            <p:cNvCxnSpPr>
+              <a:cxnSpLocks/>
+            </p:cNvCxnSpPr>
+            <p:nvPr/>
+          </p:nvCxnSpPr>
+          <p:spPr>
+            <a:xfrm flipV="1">
+              <a:off x="10291482" y="6258462"/>
+              <a:ext cx="0" cy="184663"/>
+            </a:xfrm>
+            <a:prstGeom prst="straightConnector1">
+              <a:avLst/>
+            </a:prstGeom>
+            <a:ln>
+              <a:solidFill>
+                <a:schemeClr val="tx1"/>
+              </a:solidFill>
+              <a:tailEnd type="triangle"/>
+            </a:ln>
+          </p:spPr>
+          <p:style>
+            <a:lnRef idx="1">
+              <a:schemeClr val="accent1"/>
+            </a:lnRef>
+            <a:fillRef idx="0">
+              <a:schemeClr val="accent1"/>
+            </a:fillRef>
+            <a:effectRef idx="0">
+              <a:schemeClr val="accent1"/>
+            </a:effectRef>
+            <a:fontRef idx="minor">
+              <a:schemeClr val="tx1"/>
+            </a:fontRef>
+          </p:style>
+        </p:cxnSp>
+      </p:grpSp>
     </p:spTree>
     <p:extLst>
       <p:ext uri="{BB962C8B-B14F-4D97-AF65-F5344CB8AC3E}">
@@ -3425,7 +3648,7 @@
                                           </p:stCondLst>
                                         </p:cTn>
                                         <p:tgtEl>
-                                          <p:spTgt spid="50"/>
+                                          <p:spTgt spid="21"/>
                                         </p:tgtEl>
                                         <p:attrNameLst>
                                           <p:attrName>style.visibility</p:attrName>
@@ -3452,7 +3675,7 @@
                                           </p:stCondLst>
                                         </p:cTn>
                                         <p:tgtEl>
-                                          <p:spTgt spid="52"/>
+                                          <p:spTgt spid="22"/>
                                         </p:tgtEl>
                                         <p:attrNameLst>
                                           <p:attrName>style.visibility</p:attrName>
@@ -3497,7 +3720,7 @@
                                           </p:stCondLst>
                                         </p:cTn>
                                         <p:tgtEl>
-                                          <p:spTgt spid="62"/>
+                                          <p:spTgt spid="50"/>
                                         </p:tgtEl>
                                         <p:attrNameLst>
                                           <p:attrName>style.visibility</p:attrName>
@@ -3524,7 +3747,7 @@
                                           </p:stCondLst>
                                         </p:cTn>
                                         <p:tgtEl>
-                                          <p:spTgt spid="63"/>
+                                          <p:spTgt spid="52"/>
                                         </p:tgtEl>
                                         <p:attrNameLst>
                                           <p:attrName>style.visibility</p:attrName>
@@ -3569,7 +3792,7 @@
                                           </p:stCondLst>
                                         </p:cTn>
                                         <p:tgtEl>
-                                          <p:spTgt spid="3"/>
+                                          <p:spTgt spid="76"/>
                                         </p:tgtEl>
                                         <p:attrNameLst>
                                           <p:attrName>style.visibility</p:attrName>
@@ -3596,7 +3819,7 @@
                                           </p:stCondLst>
                                         </p:cTn>
                                         <p:tgtEl>
-                                          <p:spTgt spid="104"/>
+                                          <p:spTgt spid="77"/>
                                         </p:tgtEl>
                                         <p:attrNameLst>
                                           <p:attrName>style.visibility</p:attrName>
@@ -3641,7 +3864,7 @@
                                           </p:stCondLst>
                                         </p:cTn>
                                         <p:tgtEl>
-                                          <p:spTgt spid="53"/>
+                                          <p:spTgt spid="62"/>
                                         </p:tgtEl>
                                         <p:attrNameLst>
                                           <p:attrName>style.visibility</p:attrName>
@@ -3668,7 +3891,7 @@
                                           </p:stCondLst>
                                         </p:cTn>
                                         <p:tgtEl>
-                                          <p:spTgt spid="55"/>
+                                          <p:spTgt spid="63"/>
                                         </p:tgtEl>
                                         <p:attrNameLst>
                                           <p:attrName>style.visibility</p:attrName>
@@ -3785,7 +4008,7 @@
                                           </p:stCondLst>
                                         </p:cTn>
                                         <p:tgtEl>
-                                          <p:spTgt spid="67"/>
+                                          <p:spTgt spid="3"/>
                                         </p:tgtEl>
                                         <p:attrNameLst>
                                           <p:attrName>style.visibility</p:attrName>
@@ -3812,7 +4035,7 @@
                                           </p:stCondLst>
                                         </p:cTn>
                                         <p:tgtEl>
-                                          <p:spTgt spid="28"/>
+                                          <p:spTgt spid="104"/>
                                         </p:tgtEl>
                                         <p:attrNameLst>
                                           <p:attrName>style.visibility</p:attrName>
@@ -3857,7 +4080,7 @@
                                           </p:stCondLst>
                                         </p:cTn>
                                         <p:tgtEl>
-                                          <p:spTgt spid="76"/>
+                                          <p:spTgt spid="53"/>
                                         </p:tgtEl>
                                         <p:attrNameLst>
                                           <p:attrName>style.visibility</p:attrName>
@@ -3884,7 +4107,79 @@
                                           </p:stCondLst>
                                         </p:cTn>
                                         <p:tgtEl>
-                                          <p:spTgt spid="77"/>
+                                          <p:spTgt spid="55"/>
+                                        </p:tgtEl>
+                                        <p:attrNameLst>
+                                          <p:attrName>style.visibility</p:attrName>
+                                        </p:attrNameLst>
+                                      </p:cBhvr>
+                                      <p:to>
+                                        <p:strVal val="visible"/>
+                                      </p:to>
+                                    </p:set>
+                                  </p:childTnLst>
+                                </p:cTn>
+                              </p:par>
+                            </p:childTnLst>
+                          </p:cTn>
+                        </p:par>
+                      </p:childTnLst>
+                    </p:cTn>
+                  </p:par>
+                  <p:par>
+                    <p:cTn id="45" fill="hold">
+                      <p:stCondLst>
+                        <p:cond delay="indefinite"/>
+                      </p:stCondLst>
+                      <p:childTnLst>
+                        <p:par>
+                          <p:cTn id="46" fill="hold">
+                            <p:stCondLst>
+                              <p:cond delay="0"/>
+                            </p:stCondLst>
+                            <p:childTnLst>
+                              <p:par>
+                                <p:cTn id="47" presetID="1" presetClass="entr" presetSubtype="0" fill="hold" grpId="0" nodeType="clickEffect">
+                                  <p:stCondLst>
+                                    <p:cond delay="0"/>
+                                  </p:stCondLst>
+                                  <p:childTnLst>
+                                    <p:set>
+                                      <p:cBhvr>
+                                        <p:cTn id="48" dur="1" fill="hold">
+                                          <p:stCondLst>
+                                            <p:cond delay="0"/>
+                                          </p:stCondLst>
+                                        </p:cTn>
+                                        <p:tgtEl>
+                                          <p:spTgt spid="67"/>
+                                        </p:tgtEl>
+                                        <p:attrNameLst>
+                                          <p:attrName>style.visibility</p:attrName>
+                                        </p:attrNameLst>
+                                      </p:cBhvr>
+                                      <p:to>
+                                        <p:strVal val="visible"/>
+                                      </p:to>
+                                    </p:set>
+                                  </p:childTnLst>
+                                </p:cTn>
+                              </p:par>
+                              <p:par>
+                                <p:cTn id="49" presetID="1" presetClass="entr" presetSubtype="0" fill="hold" nodeType="withEffect">
+                                  <p:stCondLst>
+                                    <p:cond delay="0"/>
+                                  </p:stCondLst>
+                                  <p:childTnLst>
+                                    <p:set>
+                                      <p:cBhvr>
+                                        <p:cTn id="50" dur="1" fill="hold">
+                                          <p:stCondLst>
+                                            <p:cond delay="0"/>
+                                          </p:stCondLst>
+                                        </p:cTn>
+                                        <p:tgtEl>
+                                          <p:spTgt spid="36"/>
                                         </p:tgtEl>
                                         <p:attrNameLst>
                                           <p:attrName>style.visibility</p:attrName>
@@ -3932,6 +4227,7 @@
       <p:bldP spid="65" grpId="0"/>
       <p:bldP spid="67" grpId="0"/>
       <p:bldP spid="76" grpId="0"/>
+      <p:bldP spid="21" grpId="0"/>
     </p:bldLst>
   </p:timing>
 </p:sld>
@@ -6392,8 +6688,8 @@
         </p:blipFill>
         <p:spPr>
           <a:xfrm rot="2095633">
-            <a:off x="308061" y="234855"/>
-            <a:ext cx="720000" cy="676308"/>
+            <a:off x="1854909" y="2463742"/>
+            <a:ext cx="1213846" cy="1140186"/>
           </a:xfrm>
           <a:prstGeom prst="rect">
             <a:avLst/>
@@ -6414,8 +6710,8 @@
         </p:nvSpPr>
         <p:spPr>
           <a:xfrm>
-            <a:off x="980186" y="213009"/>
-            <a:ext cx="2884123" cy="707886"/>
+            <a:off x="2876498" y="2218944"/>
+            <a:ext cx="6958956" cy="1631216"/>
           </a:xfrm>
           <a:prstGeom prst="rect">
             <a:avLst/>
@@ -6429,7 +6725,7 @@
           <a:lstStyle/>
           <a:p>
             <a:r>
-              <a:rPr lang="en-US" altLang="ko-KR" sz="4000" dirty="0">
+              <a:rPr lang="en-US" altLang="ko-KR" sz="10000" dirty="0">
                 <a:solidFill>
                   <a:schemeClr val="tx1">
                     <a:lumMod val="75000"/>
@@ -6442,7 +6738,7 @@
               <a:t> </a:t>
             </a:r>
             <a:r>
-              <a:rPr lang="ko-KR" altLang="en-US" sz="4000" dirty="0">
+              <a:rPr lang="ko-KR" altLang="en-US" sz="10000" dirty="0">
                 <a:solidFill>
                   <a:schemeClr val="tx1">
                     <a:lumMod val="75000"/>
@@ -6457,53 +6753,6 @@
           </a:p>
         </p:txBody>
       </p:sp>
-      <p:cxnSp>
-        <p:nvCxnSpPr>
-          <p:cNvPr id="11" name="직선 연결선 10">
-            <a:extLst>
-              <a:ext uri="{FF2B5EF4-FFF2-40B4-BE49-F238E27FC236}">
-                <a16:creationId xmlns:a16="http://schemas.microsoft.com/office/drawing/2014/main" id="{2AEF6CA8-907C-461A-9888-9F4373C37ABA}"/>
-              </a:ext>
-            </a:extLst>
-          </p:cNvPr>
-          <p:cNvCxnSpPr>
-            <a:cxnSpLocks/>
-          </p:cNvCxnSpPr>
-          <p:nvPr/>
-        </p:nvCxnSpPr>
-        <p:spPr>
-          <a:xfrm>
-            <a:off x="1055227" y="933009"/>
-            <a:ext cx="2809082" cy="0"/>
-          </a:xfrm>
-          <a:prstGeom prst="line">
-            <a:avLst/>
-          </a:prstGeom>
-          <a:ln w="63500" cap="rnd">
-            <a:solidFill>
-              <a:schemeClr val="tx1">
-                <a:lumMod val="75000"/>
-                <a:lumOff val="25000"/>
-              </a:schemeClr>
-            </a:solidFill>
-            <a:round/>
-          </a:ln>
-        </p:spPr>
-        <p:style>
-          <a:lnRef idx="1">
-            <a:schemeClr val="accent1"/>
-          </a:lnRef>
-          <a:fillRef idx="0">
-            <a:schemeClr val="accent1"/>
-          </a:fillRef>
-          <a:effectRef idx="0">
-            <a:schemeClr val="accent1"/>
-          </a:effectRef>
-          <a:fontRef idx="minor">
-            <a:schemeClr val="tx1"/>
-          </a:fontRef>
-        </p:style>
-      </p:cxnSp>
     </p:spTree>
     <p:extLst>
       <p:ext uri="{BB962C8B-B14F-4D97-AF65-F5344CB8AC3E}">
